--- a/教学课件/12.第十二课  组件和GameObject和生命周期.pptx
+++ b/教学课件/12.第十二课  组件和GameObject和生命周期.pptx
@@ -6707,11 +6707,13 @@
         <p:spPr>
           <a:xfrm>
             <a:off x="838200" y="78105"/>
-            <a:ext cx="10515600" cy="6099175"/>
+            <a:ext cx="10515600" cy="6665595"/>
           </a:xfrm>
         </p:spPr>
         <p:txBody>
-          <a:bodyPr/>
+          <a:bodyPr>
+            <a:normAutofit fontScale="90000" lnSpcReduction="20000"/>
+          </a:bodyPr>
           <a:p>
             <a:pPr marL="0" indent="0">
               <a:buNone/>
@@ -6801,7 +6803,188 @@
               </a:lnSpc>
               <a:buNone/>
             </a:pPr>
-            <a:endParaRPr lang="zh-CN" altLang="en-US"/>
+            <a:r>
+              <a:rPr lang="en-US" altLang="zh-CN"/>
+              <a:t>Gravity</a:t>
+            </a:r>
+            <a:r>
+              <a:rPr lang="zh-CN" altLang="en-US"/>
+              <a:t>：影响</a:t>
+            </a:r>
+            <a:r>
+              <a:rPr lang="zh-CN" altLang="en-US">
+                <a:solidFill>
+                  <a:srgbClr val="FF0000"/>
+                </a:solidFill>
+                <a:sym typeface="+mn-ea"/>
+              </a:rPr>
+              <a:t>GetAxis</a:t>
+            </a:r>
+            <a:r>
+              <a:rPr lang="zh-CN" altLang="en-US">
+                <a:solidFill>
+                  <a:schemeClr val="tx1"/>
+                </a:solidFill>
+                <a:sym typeface="+mn-ea"/>
+              </a:rPr>
+              <a:t>值归零的速度，</a:t>
+            </a:r>
+            <a:r>
+              <a:rPr lang="en-US" altLang="zh-CN">
+                <a:solidFill>
+                  <a:schemeClr val="tx1"/>
+                </a:solidFill>
+                <a:sym typeface="+mn-ea"/>
+              </a:rPr>
+              <a:t>Gravity</a:t>
+            </a:r>
+            <a:r>
+              <a:rPr lang="zh-CN" altLang="en-US">
+                <a:solidFill>
+                  <a:schemeClr val="tx1"/>
+                </a:solidFill>
+                <a:sym typeface="+mn-ea"/>
+              </a:rPr>
+              <a:t>越大则越快</a:t>
+            </a:r>
+            <a:endParaRPr lang="zh-CN" altLang="en-US">
+              <a:solidFill>
+                <a:schemeClr val="tx1"/>
+              </a:solidFill>
+              <a:sym typeface="+mn-ea"/>
+            </a:endParaRPr>
+          </a:p>
+          <a:p>
+            <a:pPr marL="0" indent="0" fontAlgn="auto">
+              <a:lnSpc>
+                <a:spcPct val="150000"/>
+              </a:lnSpc>
+              <a:buNone/>
+            </a:pPr>
+            <a:r>
+              <a:rPr lang="en-US" altLang="zh-CN">
+                <a:solidFill>
+                  <a:schemeClr val="tx1"/>
+                </a:solidFill>
+                <a:sym typeface="+mn-ea"/>
+              </a:rPr>
+              <a:t>Sensitivity:</a:t>
+            </a:r>
+            <a:r>
+              <a:rPr lang="zh-CN" altLang="en-US">
+                <a:sym typeface="+mn-ea"/>
+              </a:rPr>
+              <a:t>影响</a:t>
+            </a:r>
+            <a:r>
+              <a:rPr lang="zh-CN" altLang="en-US">
+                <a:solidFill>
+                  <a:srgbClr val="FF0000"/>
+                </a:solidFill>
+                <a:sym typeface="+mn-ea"/>
+              </a:rPr>
+              <a:t>GetAxis</a:t>
+            </a:r>
+            <a:r>
+              <a:rPr lang="zh-CN" altLang="en-US">
+                <a:sym typeface="+mn-ea"/>
+              </a:rPr>
+              <a:t>值到达</a:t>
+            </a:r>
+            <a:r>
+              <a:rPr lang="en-US" altLang="zh-CN">
+                <a:sym typeface="+mn-ea"/>
+              </a:rPr>
+              <a:t>1</a:t>
+            </a:r>
+            <a:r>
+              <a:rPr lang="zh-CN" altLang="en-US">
+                <a:sym typeface="+mn-ea"/>
+              </a:rPr>
+              <a:t>（</a:t>
+            </a:r>
+            <a:r>
+              <a:rPr lang="en-US" altLang="zh-CN">
+                <a:sym typeface="+mn-ea"/>
+              </a:rPr>
+              <a:t>-1</a:t>
+            </a:r>
+            <a:r>
+              <a:rPr lang="zh-CN" altLang="en-US">
+                <a:sym typeface="+mn-ea"/>
+              </a:rPr>
+              <a:t>）的速度，越大则越快</a:t>
+            </a:r>
+            <a:endParaRPr lang="zh-CN" altLang="en-US"/>
+          </a:p>
+          <a:p>
+            <a:pPr marL="0" indent="0" fontAlgn="auto">
+              <a:lnSpc>
+                <a:spcPct val="150000"/>
+              </a:lnSpc>
+              <a:buNone/>
+            </a:pPr>
+            <a:r>
+              <a:rPr lang="en-US" altLang="zh-CN">
+                <a:solidFill>
+                  <a:schemeClr val="tx1"/>
+                </a:solidFill>
+              </a:rPr>
+              <a:t>Dead:</a:t>
+            </a:r>
+            <a:r>
+              <a:rPr lang="zh-CN" altLang="en-US">
+                <a:solidFill>
+                  <a:schemeClr val="tx1"/>
+                </a:solidFill>
+              </a:rPr>
+              <a:t>盲区，针对摇杆，只有当摇杆幅度大于这个值时，</a:t>
+            </a:r>
+            <a:r>
+              <a:rPr lang="zh-CN" altLang="en-US">
+                <a:solidFill>
+                  <a:srgbClr val="FF0000"/>
+                </a:solidFill>
+                <a:sym typeface="+mn-ea"/>
+              </a:rPr>
+              <a:t>GetAxis才会返回大于</a:t>
+            </a:r>
+            <a:r>
+              <a:rPr lang="en-US" altLang="zh-CN">
+                <a:solidFill>
+                  <a:srgbClr val="FF0000"/>
+                </a:solidFill>
+                <a:sym typeface="+mn-ea"/>
+              </a:rPr>
+              <a:t>0</a:t>
+            </a:r>
+            <a:r>
+              <a:rPr lang="zh-CN" altLang="en-US">
+                <a:solidFill>
+                  <a:srgbClr val="FF0000"/>
+                </a:solidFill>
+                <a:sym typeface="+mn-ea"/>
+              </a:rPr>
+              <a:t>的值</a:t>
+            </a:r>
+            <a:endParaRPr lang="zh-CN" altLang="en-US">
+              <a:solidFill>
+                <a:schemeClr val="tx1"/>
+              </a:solidFill>
+            </a:endParaRPr>
+          </a:p>
+          <a:p>
+            <a:pPr marL="0" indent="0" fontAlgn="auto">
+              <a:lnSpc>
+                <a:spcPct val="150000"/>
+              </a:lnSpc>
+              <a:buNone/>
+            </a:pPr>
+            <a:endParaRPr lang="zh-CN" altLang="en-US">
+              <a:solidFill>
+                <a:srgbClr val="FF0000"/>
+              </a:solidFill>
+            </a:endParaRPr>
           </a:p>
           <a:p>
             <a:pPr marL="0" indent="0" fontAlgn="auto">

--- a/教学课件/12.第十二课  组件和GameObject和生命周期.pptx
+++ b/教学课件/12.第十二课  组件和GameObject和生命周期.pptx
@@ -6712,7 +6712,7 @@
         </p:spPr>
         <p:txBody>
           <a:bodyPr>
-            <a:normAutofit fontScale="90000" lnSpcReduction="20000"/>
+            <a:normAutofit fontScale="80000"/>
           </a:bodyPr>
           <a:p>
             <a:pPr marL="0" indent="0">
@@ -7115,6 +7115,10 @@
             <a:pPr marL="0" indent="0">
               <a:buNone/>
             </a:pPr>
+            <a:r>
+              <a:rPr lang="zh-CN" altLang="en-US" sz="3200" b="1"/>
+              <a:t>GetKey可以使用的</a:t>
+            </a:r>
             <a:r>
               <a:rPr lang="zh-CN" altLang="en-US" sz="3200" b="1"/>
               <a:t>按键名称</a:t>

--- a/教学课件/12.第十二课  组件和GameObject和生命周期.pptx
+++ b/教学课件/12.第十二课  组件和GameObject和生命周期.pptx
@@ -6527,12 +6527,20 @@
               <a:t>Input.</a:t>
             </a:r>
             <a:r>
+              <a:rPr lang="en-US" altLang="zh-CN" sz="2000">
+                <a:solidFill>
+                  <a:srgbClr val="FF0000"/>
+                </a:solidFill>
+              </a:rPr>
+              <a:t>m</a:t>
+            </a:r>
+            <a:r>
               <a:rPr lang="zh-CN" altLang="en-US" sz="2000">
                 <a:solidFill>
                   <a:srgbClr val="FF0000"/>
                 </a:solidFill>
               </a:rPr>
-              <a:t>MousePostion</a:t>
+              <a:t>ousePostion</a:t>
             </a:r>
             <a:r>
               <a:rPr lang="en-US" altLang="zh-CN" sz="2000"/>
@@ -7567,7 +7575,19 @@
             </a:r>
             <a:r>
               <a:rPr lang="zh-CN" altLang="en-US"/>
-              <a:t>鼠标点击消失</a:t>
+              <a:t>鼠标点击相应</a:t>
+            </a:r>
+            <a:r>
+              <a:rPr lang="en-US" altLang="zh-CN"/>
+              <a:t>Cube</a:t>
+            </a:r>
+            <a:r>
+              <a:rPr lang="zh-CN" altLang="en-US"/>
+              <a:t>则消失</a:t>
+            </a:r>
+            <a:r>
+              <a:rPr lang="en-US" altLang="zh-CN"/>
+              <a:t>.</a:t>
             </a:r>
             <a:endParaRPr lang="zh-CN" altLang="en-US"/>
           </a:p>
